--- a/neuroWeb 2.0/Оипд.pptx
+++ b/neuroWeb 2.0/Оипд.pptx
@@ -203,7 +203,7 @@
           <a:p>
             <a:fld id="{2F69CBA8-80B4-4898-90C0-308702FAAEFC}" type="datetimeFigureOut">
               <a:rPr lang="ru-RU" smtClean="0"/>
-              <a:t>18.04.2017</a:t>
+              <a:t>07.12.2017</a:t>
             </a:fld>
             <a:endParaRPr lang="ru-RU"/>
           </a:p>
@@ -736,7 +736,7 @@
           <a:p>
             <a:fld id="{EE1298C4-F376-43A2-887A-458B3F039195}" type="datetimeFigureOut">
               <a:rPr lang="ru-RU" smtClean="0"/>
-              <a:t>18.04.2017</a:t>
+              <a:t>07.12.2017</a:t>
             </a:fld>
             <a:endParaRPr lang="ru-RU"/>
           </a:p>
@@ -913,7 +913,7 @@
           <a:p>
             <a:fld id="{EE1298C4-F376-43A2-887A-458B3F039195}" type="datetimeFigureOut">
               <a:rPr lang="ru-RU" smtClean="0"/>
-              <a:t>18.04.2017</a:t>
+              <a:t>07.12.2017</a:t>
             </a:fld>
             <a:endParaRPr lang="ru-RU"/>
           </a:p>
@@ -1100,7 +1100,7 @@
           <a:p>
             <a:fld id="{EE1298C4-F376-43A2-887A-458B3F039195}" type="datetimeFigureOut">
               <a:rPr lang="ru-RU" smtClean="0"/>
-              <a:t>18.04.2017</a:t>
+              <a:t>07.12.2017</a:t>
             </a:fld>
             <a:endParaRPr lang="ru-RU"/>
           </a:p>
@@ -1277,7 +1277,7 @@
           <a:p>
             <a:fld id="{EE1298C4-F376-43A2-887A-458B3F039195}" type="datetimeFigureOut">
               <a:rPr lang="ru-RU" smtClean="0"/>
-              <a:t>18.04.2017</a:t>
+              <a:t>07.12.2017</a:t>
             </a:fld>
             <a:endParaRPr lang="ru-RU"/>
           </a:p>
@@ -1530,7 +1530,7 @@
           <a:p>
             <a:fld id="{EE1298C4-F376-43A2-887A-458B3F039195}" type="datetimeFigureOut">
               <a:rPr lang="ru-RU" smtClean="0"/>
-              <a:t>18.04.2017</a:t>
+              <a:t>07.12.2017</a:t>
             </a:fld>
             <a:endParaRPr lang="ru-RU"/>
           </a:p>
@@ -1825,7 +1825,7 @@
           <a:p>
             <a:fld id="{EE1298C4-F376-43A2-887A-458B3F039195}" type="datetimeFigureOut">
               <a:rPr lang="ru-RU" smtClean="0"/>
-              <a:t>18.04.2017</a:t>
+              <a:t>07.12.2017</a:t>
             </a:fld>
             <a:endParaRPr lang="ru-RU"/>
           </a:p>
@@ -2254,7 +2254,7 @@
           <a:p>
             <a:fld id="{EE1298C4-F376-43A2-887A-458B3F039195}" type="datetimeFigureOut">
               <a:rPr lang="ru-RU" smtClean="0"/>
-              <a:t>18.04.2017</a:t>
+              <a:t>07.12.2017</a:t>
             </a:fld>
             <a:endParaRPr lang="ru-RU"/>
           </a:p>
@@ -2379,7 +2379,7 @@
           <a:p>
             <a:fld id="{EE1298C4-F376-43A2-887A-458B3F039195}" type="datetimeFigureOut">
               <a:rPr lang="ru-RU" smtClean="0"/>
-              <a:t>18.04.2017</a:t>
+              <a:t>07.12.2017</a:t>
             </a:fld>
             <a:endParaRPr lang="ru-RU"/>
           </a:p>
@@ -2481,7 +2481,7 @@
           <a:p>
             <a:fld id="{EE1298C4-F376-43A2-887A-458B3F039195}" type="datetimeFigureOut">
               <a:rPr lang="ru-RU" smtClean="0"/>
-              <a:t>18.04.2017</a:t>
+              <a:t>07.12.2017</a:t>
             </a:fld>
             <a:endParaRPr lang="ru-RU"/>
           </a:p>
@@ -2765,7 +2765,7 @@
           <a:p>
             <a:fld id="{EE1298C4-F376-43A2-887A-458B3F039195}" type="datetimeFigureOut">
               <a:rPr lang="ru-RU" smtClean="0"/>
-              <a:t>18.04.2017</a:t>
+              <a:t>07.12.2017</a:t>
             </a:fld>
             <a:endParaRPr lang="ru-RU"/>
           </a:p>
@@ -3025,7 +3025,7 @@
           <a:p>
             <a:fld id="{EE1298C4-F376-43A2-887A-458B3F039195}" type="datetimeFigureOut">
               <a:rPr lang="ru-RU" smtClean="0"/>
-              <a:t>18.04.2017</a:t>
+              <a:t>07.12.2017</a:t>
             </a:fld>
             <a:endParaRPr lang="ru-RU"/>
           </a:p>
@@ -3245,7 +3245,7 @@
           <a:p>
             <a:fld id="{EE1298C4-F376-43A2-887A-458B3F039195}" type="datetimeFigureOut">
               <a:rPr lang="ru-RU" smtClean="0"/>
-              <a:t>18.04.2017</a:t>
+              <a:t>07.12.2017</a:t>
             </a:fld>
             <a:endParaRPr lang="ru-RU"/>
           </a:p>
@@ -3796,7 +3796,14 @@
                 <a:latin typeface="Times New Roman" panose="02020603050405020304" pitchFamily="18" charset="0"/>
                 <a:cs typeface="Times New Roman" panose="02020603050405020304" pitchFamily="18" charset="0"/>
               </a:rPr>
-              <a:t>Ученик 8</a:t>
+              <a:t>Ученик </a:t>
+            </a:r>
+            <a:r>
+              <a:rPr lang="ru-RU" sz="2000" dirty="0" smtClean="0">
+                <a:latin typeface="Times New Roman" panose="02020603050405020304" pitchFamily="18" charset="0"/>
+                <a:cs typeface="Times New Roman" panose="02020603050405020304" pitchFamily="18" charset="0"/>
+              </a:rPr>
+              <a:t>9</a:t>
             </a:r>
             <a:r>
               <a:rPr lang="en-US" sz="2000" dirty="0" smtClean="0">
@@ -3842,14 +3849,7 @@
                 <a:latin typeface="Times New Roman" panose="02020603050405020304" pitchFamily="18" charset="0"/>
                 <a:cs typeface="Times New Roman" panose="02020603050405020304" pitchFamily="18" charset="0"/>
               </a:rPr>
-              <a:t>Научный </a:t>
-            </a:r>
-            <a:r>
-              <a:rPr lang="ru-RU" sz="2000" dirty="0" smtClean="0">
-                <a:latin typeface="Times New Roman" panose="02020603050405020304" pitchFamily="18" charset="0"/>
-                <a:cs typeface="Times New Roman" panose="02020603050405020304" pitchFamily="18" charset="0"/>
-              </a:rPr>
-              <a:t>руководитель:</a:t>
+              <a:t>Научный руководитель:</a:t>
             </a:r>
           </a:p>
           <a:p>
@@ -3867,14 +3867,7 @@
                 <a:latin typeface="Times New Roman" panose="02020603050405020304" pitchFamily="18" charset="0"/>
                 <a:cs typeface="Times New Roman" panose="02020603050405020304" pitchFamily="18" charset="0"/>
               </a:rPr>
-              <a:t>Семеновых </a:t>
-            </a:r>
-            <a:r>
-              <a:rPr lang="ru-RU" sz="2000" dirty="0" smtClean="0">
-                <a:latin typeface="Times New Roman" panose="02020603050405020304" pitchFamily="18" charset="0"/>
-                <a:cs typeface="Times New Roman" panose="02020603050405020304" pitchFamily="18" charset="0"/>
-              </a:rPr>
-              <a:t>Татьяна Игоревна</a:t>
+              <a:t>Семеновых Татьяна Игоревна</a:t>
             </a:r>
           </a:p>
           <a:p>

--- a/neuroWeb 2.0/Оипд.pptx
+++ b/neuroWeb 2.0/Оипд.pptx
@@ -118,6 +118,22 @@
       </a:defRPr>
     </a:lvl9pPr>
   </p:defaultTextStyle>
+  <p:extLst>
+    <p:ext uri="{EFAFB233-063F-42B5-8137-9DF3F51BA10A}">
+      <p15:sldGuideLst xmlns:p15="http://schemas.microsoft.com/office/powerpoint/2012/main">
+        <p15:guide id="1" orient="horz" pos="2160">
+          <p15:clr>
+            <a:srgbClr val="A4A3A4"/>
+          </p15:clr>
+        </p15:guide>
+        <p15:guide id="2" pos="2880">
+          <p15:clr>
+            <a:srgbClr val="A4A3A4"/>
+          </p15:clr>
+        </p15:guide>
+      </p15:sldGuideLst>
+    </p:ext>
+  </p:extLst>
 </p:presentation>
 </file>
 
@@ -203,7 +219,7 @@
           <a:p>
             <a:fld id="{2F69CBA8-80B4-4898-90C0-308702FAAEFC}" type="datetimeFigureOut">
               <a:rPr lang="ru-RU" smtClean="0"/>
-              <a:t>07.12.2017</a:t>
+              <a:t>08.12.2017</a:t>
             </a:fld>
             <a:endParaRPr lang="ru-RU"/>
           </a:p>
@@ -736,7 +752,7 @@
           <a:p>
             <a:fld id="{EE1298C4-F376-43A2-887A-458B3F039195}" type="datetimeFigureOut">
               <a:rPr lang="ru-RU" smtClean="0"/>
-              <a:t>07.12.2017</a:t>
+              <a:t>08.12.2017</a:t>
             </a:fld>
             <a:endParaRPr lang="ru-RU"/>
           </a:p>
@@ -913,7 +929,7 @@
           <a:p>
             <a:fld id="{EE1298C4-F376-43A2-887A-458B3F039195}" type="datetimeFigureOut">
               <a:rPr lang="ru-RU" smtClean="0"/>
-              <a:t>07.12.2017</a:t>
+              <a:t>08.12.2017</a:t>
             </a:fld>
             <a:endParaRPr lang="ru-RU"/>
           </a:p>
@@ -1100,7 +1116,7 @@
           <a:p>
             <a:fld id="{EE1298C4-F376-43A2-887A-458B3F039195}" type="datetimeFigureOut">
               <a:rPr lang="ru-RU" smtClean="0"/>
-              <a:t>07.12.2017</a:t>
+              <a:t>08.12.2017</a:t>
             </a:fld>
             <a:endParaRPr lang="ru-RU"/>
           </a:p>
@@ -1277,7 +1293,7 @@
           <a:p>
             <a:fld id="{EE1298C4-F376-43A2-887A-458B3F039195}" type="datetimeFigureOut">
               <a:rPr lang="ru-RU" smtClean="0"/>
-              <a:t>07.12.2017</a:t>
+              <a:t>08.12.2017</a:t>
             </a:fld>
             <a:endParaRPr lang="ru-RU"/>
           </a:p>
@@ -1530,7 +1546,7 @@
           <a:p>
             <a:fld id="{EE1298C4-F376-43A2-887A-458B3F039195}" type="datetimeFigureOut">
               <a:rPr lang="ru-RU" smtClean="0"/>
-              <a:t>07.12.2017</a:t>
+              <a:t>08.12.2017</a:t>
             </a:fld>
             <a:endParaRPr lang="ru-RU"/>
           </a:p>
@@ -1825,7 +1841,7 @@
           <a:p>
             <a:fld id="{EE1298C4-F376-43A2-887A-458B3F039195}" type="datetimeFigureOut">
               <a:rPr lang="ru-RU" smtClean="0"/>
-              <a:t>07.12.2017</a:t>
+              <a:t>08.12.2017</a:t>
             </a:fld>
             <a:endParaRPr lang="ru-RU"/>
           </a:p>
@@ -2254,7 +2270,7 @@
           <a:p>
             <a:fld id="{EE1298C4-F376-43A2-887A-458B3F039195}" type="datetimeFigureOut">
               <a:rPr lang="ru-RU" smtClean="0"/>
-              <a:t>07.12.2017</a:t>
+              <a:t>08.12.2017</a:t>
             </a:fld>
             <a:endParaRPr lang="ru-RU"/>
           </a:p>
@@ -2379,7 +2395,7 @@
           <a:p>
             <a:fld id="{EE1298C4-F376-43A2-887A-458B3F039195}" type="datetimeFigureOut">
               <a:rPr lang="ru-RU" smtClean="0"/>
-              <a:t>07.12.2017</a:t>
+              <a:t>08.12.2017</a:t>
             </a:fld>
             <a:endParaRPr lang="ru-RU"/>
           </a:p>
@@ -2481,7 +2497,7 @@
           <a:p>
             <a:fld id="{EE1298C4-F376-43A2-887A-458B3F039195}" type="datetimeFigureOut">
               <a:rPr lang="ru-RU" smtClean="0"/>
-              <a:t>07.12.2017</a:t>
+              <a:t>08.12.2017</a:t>
             </a:fld>
             <a:endParaRPr lang="ru-RU"/>
           </a:p>
@@ -2765,7 +2781,7 @@
           <a:p>
             <a:fld id="{EE1298C4-F376-43A2-887A-458B3F039195}" type="datetimeFigureOut">
               <a:rPr lang="ru-RU" smtClean="0"/>
-              <a:t>07.12.2017</a:t>
+              <a:t>08.12.2017</a:t>
             </a:fld>
             <a:endParaRPr lang="ru-RU"/>
           </a:p>
@@ -3025,7 +3041,7 @@
           <a:p>
             <a:fld id="{EE1298C4-F376-43A2-887A-458B3F039195}" type="datetimeFigureOut">
               <a:rPr lang="ru-RU" smtClean="0"/>
-              <a:t>07.12.2017</a:t>
+              <a:t>08.12.2017</a:t>
             </a:fld>
             <a:endParaRPr lang="ru-RU"/>
           </a:p>
@@ -3245,7 +3261,7 @@
           <a:p>
             <a:fld id="{EE1298C4-F376-43A2-887A-458B3F039195}" type="datetimeFigureOut">
               <a:rPr lang="ru-RU" smtClean="0"/>
-              <a:t>07.12.2017</a:t>
+              <a:t>08.12.2017</a:t>
             </a:fld>
             <a:endParaRPr lang="ru-RU"/>
           </a:p>
@@ -3635,7 +3651,7 @@
         </p:nvSpPr>
         <p:spPr>
           <a:xfrm>
-            <a:off x="827584" y="620688"/>
+            <a:off x="791580" y="2119789"/>
             <a:ext cx="7344816" cy="1754326"/>
           </a:xfrm>
           <a:prstGeom prst="rect">
@@ -3758,7 +3774,7 @@
         </p:nvSpPr>
         <p:spPr>
           <a:xfrm>
-            <a:off x="4788024" y="3746009"/>
+            <a:off x="5148064" y="4117872"/>
             <a:ext cx="3744416" cy="2246769"/>
           </a:xfrm>
           <a:prstGeom prst="rect">
@@ -3950,6 +3966,173 @@
               </a:solidFill>
               <a:latin typeface="Times New Roman" panose="02020603050405020304" pitchFamily="18" charset="0"/>
               <a:cs typeface="Times New Roman" panose="02020603050405020304" pitchFamily="18" charset="0"/>
+            </a:endParaRPr>
+          </a:p>
+        </p:txBody>
+      </p:sp>
+      <p:sp>
+        <p:nvSpPr>
+          <p:cNvPr id="2" name="Прямоугольник 1"/>
+          <p:cNvSpPr/>
+          <p:nvPr/>
+        </p:nvSpPr>
+        <p:spPr>
+          <a:xfrm>
+            <a:off x="575556" y="60528"/>
+            <a:ext cx="7848872" cy="1769715"/>
+          </a:xfrm>
+          <a:prstGeom prst="rect">
+            <a:avLst/>
+          </a:prstGeom>
+        </p:spPr>
+        <p:txBody>
+          <a:bodyPr wrap="square">
+            <a:spAutoFit/>
+          </a:bodyPr>
+          <a:lstStyle/>
+          <a:p>
+            <a:pPr algn="ctr">
+              <a:spcAft>
+                <a:spcPts val="1000"/>
+              </a:spcAft>
+            </a:pPr>
+            <a:r>
+              <a:rPr lang="ru-RU" sz="1600" dirty="0">
+                <a:latin typeface="Times New Roman" panose="02020603050405020304" pitchFamily="18" charset="0"/>
+                <a:ea typeface="Calibri" panose="020F0502020204030204" pitchFamily="34" charset="0"/>
+                <a:cs typeface="Calibri" panose="020F0502020204030204" pitchFamily="34" charset="0"/>
+              </a:rPr>
+              <a:t>КОМИТЕТ ПО </a:t>
+            </a:r>
+            <a:r>
+              <a:rPr lang="ru-RU" sz="1600" dirty="0" smtClean="0">
+                <a:latin typeface="Times New Roman" panose="02020603050405020304" pitchFamily="18" charset="0"/>
+                <a:ea typeface="Calibri" panose="020F0502020204030204" pitchFamily="34" charset="0"/>
+                <a:cs typeface="Calibri" panose="020F0502020204030204" pitchFamily="34" charset="0"/>
+              </a:rPr>
+              <a:t>ОБРАЗОВАНИЮ АДМИНИСТРАЦИИ </a:t>
+            </a:r>
+            <a:r>
+              <a:rPr lang="ru-RU" sz="1600" dirty="0">
+                <a:latin typeface="Times New Roman" panose="02020603050405020304" pitchFamily="18" charset="0"/>
+                <a:ea typeface="Calibri" panose="020F0502020204030204" pitchFamily="34" charset="0"/>
+                <a:cs typeface="Calibri" panose="020F0502020204030204" pitchFamily="34" charset="0"/>
+              </a:rPr>
+              <a:t>ГОРОДСКОГО ОКРУГА </a:t>
+            </a:r>
+            <a:endParaRPr lang="ru-RU" sz="1200" dirty="0">
+              <a:latin typeface="Calibri" panose="020F0502020204030204" pitchFamily="34" charset="0"/>
+              <a:ea typeface="Calibri" panose="020F0502020204030204" pitchFamily="34" charset="0"/>
+              <a:cs typeface="Calibri" panose="020F0502020204030204" pitchFamily="34" charset="0"/>
+            </a:endParaRPr>
+          </a:p>
+          <a:p>
+            <a:pPr algn="ctr">
+              <a:spcAft>
+                <a:spcPts val="1000"/>
+              </a:spcAft>
+            </a:pPr>
+            <a:r>
+              <a:rPr lang="ru-RU" sz="1600" dirty="0">
+                <a:latin typeface="Times New Roman" panose="02020603050405020304" pitchFamily="18" charset="0"/>
+                <a:ea typeface="Calibri" panose="020F0502020204030204" pitchFamily="34" charset="0"/>
+                <a:cs typeface="Calibri" panose="020F0502020204030204" pitchFamily="34" charset="0"/>
+              </a:rPr>
+              <a:t>«ГОРОД КАЛИНИНГРАД</a:t>
+            </a:r>
+            <a:r>
+              <a:rPr lang="ru-RU" sz="1600" dirty="0" smtClean="0">
+                <a:latin typeface="Times New Roman" panose="02020603050405020304" pitchFamily="18" charset="0"/>
+                <a:ea typeface="Calibri" panose="020F0502020204030204" pitchFamily="34" charset="0"/>
+                <a:cs typeface="Calibri" panose="020F0502020204030204" pitchFamily="34" charset="0"/>
+              </a:rPr>
+              <a:t>»</a:t>
+            </a:r>
+            <a:r>
+              <a:rPr lang="ru-RU" dirty="0">
+                <a:latin typeface="Times New Roman" panose="02020603050405020304" pitchFamily="18" charset="0"/>
+                <a:ea typeface="Calibri" panose="020F0502020204030204" pitchFamily="34" charset="0"/>
+                <a:cs typeface="Calibri" panose="020F0502020204030204" pitchFamily="34" charset="0"/>
+              </a:rPr>
+              <a:t> </a:t>
+            </a:r>
+            <a:endParaRPr lang="ru-RU" sz="1200" dirty="0">
+              <a:latin typeface="Calibri" panose="020F0502020204030204" pitchFamily="34" charset="0"/>
+              <a:ea typeface="Calibri" panose="020F0502020204030204" pitchFamily="34" charset="0"/>
+              <a:cs typeface="Calibri" panose="020F0502020204030204" pitchFamily="34" charset="0"/>
+            </a:endParaRPr>
+          </a:p>
+          <a:p>
+            <a:pPr algn="ctr">
+              <a:spcAft>
+                <a:spcPts val="1000"/>
+              </a:spcAft>
+            </a:pPr>
+            <a:r>
+              <a:rPr lang="ru-RU" dirty="0">
+                <a:latin typeface="Times New Roman" panose="02020603050405020304" pitchFamily="18" charset="0"/>
+                <a:ea typeface="Calibri" panose="020F0502020204030204" pitchFamily="34" charset="0"/>
+                <a:cs typeface="Calibri" panose="020F0502020204030204" pitchFamily="34" charset="0"/>
+              </a:rPr>
+              <a:t>Открытая </a:t>
+            </a:r>
+            <a:r>
+              <a:rPr lang="en-US" dirty="0">
+                <a:latin typeface="Times New Roman" panose="02020603050405020304" pitchFamily="18" charset="0"/>
+                <a:ea typeface="Calibri" panose="020F0502020204030204" pitchFamily="34" charset="0"/>
+                <a:cs typeface="Calibri" panose="020F0502020204030204" pitchFamily="34" charset="0"/>
+              </a:rPr>
+              <a:t>XXV</a:t>
+            </a:r>
+            <a:r>
+              <a:rPr lang="ru-RU" dirty="0">
+                <a:latin typeface="Times New Roman" panose="02020603050405020304" pitchFamily="18" charset="0"/>
+                <a:ea typeface="Calibri" panose="020F0502020204030204" pitchFamily="34" charset="0"/>
+                <a:cs typeface="Calibri" panose="020F0502020204030204" pitchFamily="34" charset="0"/>
+              </a:rPr>
+              <a:t> ученическая научно-практическая конференция «Поиск и творчество</a:t>
+            </a:r>
+            <a:r>
+              <a:rPr lang="ru-RU" dirty="0" smtClean="0">
+                <a:latin typeface="Times New Roman" panose="02020603050405020304" pitchFamily="18" charset="0"/>
+                <a:ea typeface="Calibri" panose="020F0502020204030204" pitchFamily="34" charset="0"/>
+                <a:cs typeface="Calibri" panose="020F0502020204030204" pitchFamily="34" charset="0"/>
+              </a:rPr>
+              <a:t>»</a:t>
+            </a:r>
+            <a:r>
+              <a:rPr lang="ru-RU" sz="1400" dirty="0">
+                <a:latin typeface="Times New Roman" panose="02020603050405020304" pitchFamily="18" charset="0"/>
+                <a:ea typeface="Calibri" panose="020F0502020204030204" pitchFamily="34" charset="0"/>
+                <a:cs typeface="Calibri" panose="020F0502020204030204" pitchFamily="34" charset="0"/>
+              </a:rPr>
+              <a:t> </a:t>
+            </a:r>
+            <a:endParaRPr lang="ru-RU" sz="1200" dirty="0">
+              <a:latin typeface="Calibri" panose="020F0502020204030204" pitchFamily="34" charset="0"/>
+              <a:ea typeface="Calibri" panose="020F0502020204030204" pitchFamily="34" charset="0"/>
+              <a:cs typeface="Calibri" panose="020F0502020204030204" pitchFamily="34" charset="0"/>
+            </a:endParaRPr>
+          </a:p>
+          <a:p>
+            <a:pPr algn="ctr">
+              <a:spcAft>
+                <a:spcPts val="0"/>
+              </a:spcAft>
+            </a:pPr>
+            <a:r>
+              <a:rPr lang="ru-RU" sz="1400" dirty="0">
+                <a:latin typeface="Times New Roman" panose="02020603050405020304" pitchFamily="18" charset="0"/>
+                <a:ea typeface="Calibri" panose="020F0502020204030204" pitchFamily="34" charset="0"/>
+                <a:cs typeface="Calibri" panose="020F0502020204030204" pitchFamily="34" charset="0"/>
+              </a:rPr>
+              <a:t>Секция: информатика</a:t>
+            </a:r>
+            <a:endParaRPr lang="ru-RU" sz="1200" dirty="0">
+              <a:effectLst/>
+              <a:latin typeface="Calibri" panose="020F0502020204030204" pitchFamily="34" charset="0"/>
+              <a:ea typeface="Calibri" panose="020F0502020204030204" pitchFamily="34" charset="0"/>
+              <a:cs typeface="Calibri" panose="020F0502020204030204" pitchFamily="34" charset="0"/>
             </a:endParaRPr>
           </a:p>
         </p:txBody>
